--- a/slides/Tag-3_2_2-Container-Registry.pptx
+++ b/slides/Tag-3_2_2-Container-Registry.pptx
@@ -2551,7 +2551,7 @@
               <a:pPr algn="ctr">
                 <a:defRPr/>
               </a:pPr>
-              <a:t>05.06.2024</a:t>
+              <a:t>06.06.2024</a:t>
             </a:fld>
             <a:endParaRPr lang="de-DE" sz="1000">
               <a:solidFill>
@@ -11065,7 +11065,14 @@
           <a:bodyPr/>
           <a:lstStyle/>
           <a:p>
-            <a:endParaRPr lang="de-DE"/>
+            <a:r>
+              <a:rPr lang="de-DE" dirty="0" err="1"/>
+              <a:t>Recap</a:t>
+            </a:r>
+            <a:r>
+              <a:rPr lang="de-DE"/>
+              <a:t> Docker</a:t>
+            </a:r>
           </a:p>
         </p:txBody>
       </p:sp>

--- a/slides/Tag-3_2_2-Container-Registry.pptx
+++ b/slides/Tag-3_2_2-Container-Registry.pptx
@@ -4913,15 +4913,7 @@
             </a:pPr>
             <a:r>
               <a:rPr lang="de-DE" dirty="0"/>
-              <a:t>Naming </a:t>
-            </a:r>
-            <a:r>
-              <a:rPr lang="de-DE" dirty="0" err="1"/>
-              <a:t>convention</a:t>
-            </a:r>
-            <a:r>
-              <a:rPr lang="de-DE" dirty="0"/>
-              <a:t> für Container Images</a:t>
+              <a:t>Naming Convention für Container Images</a:t>
             </a:r>
           </a:p>
           <a:p>
@@ -4931,15 +4923,7 @@
             </a:pPr>
             <a:r>
               <a:rPr lang="de-DE" dirty="0"/>
-              <a:t>Verschieben oder </a:t>
-            </a:r>
-            <a:r>
-              <a:rPr lang="de-DE" dirty="0" err="1"/>
-              <a:t>Umbennnen</a:t>
-            </a:r>
-            <a:r>
-              <a:rPr lang="de-DE" dirty="0"/>
-              <a:t> einer Container Registry</a:t>
+              <a:t>Verschieben oder Umbenennen einer Container Registry</a:t>
             </a:r>
           </a:p>
           <a:p>
